--- a/final ppt/01-web-and-you.pptx
+++ b/final ppt/01-web-and-you.pptx
@@ -5,7 +5,7 @@
     <p:sldMasterId id="2147483660" r:id="rId1"/>
   </p:sldMasterIdLst>
   <p:notesMasterIdLst>
-    <p:notesMasterId r:id="rId13"/>
+    <p:notesMasterId r:id="rId14"/>
   </p:notesMasterIdLst>
   <p:sldIdLst>
     <p:sldId id="256" r:id="rId2"/>
@@ -19,6 +19,7 @@
     <p:sldId id="265" r:id="rId10"/>
     <p:sldId id="266" r:id="rId11"/>
     <p:sldId id="267" r:id="rId12"/>
+    <p:sldId id="268" r:id="rId13"/>
   </p:sldIdLst>
   <p:sldSz cx="12192000" cy="6858000"/>
   <p:notesSz cx="6858000" cy="9144000"/>
@@ -325,7 +326,7 @@
           <a:p>
             <a:fld id="{0F9C1CCF-B725-44A7-AA57-5E433BD85C9F}" type="datetimeFigureOut">
               <a:rPr lang="en-US" smtClean="0"/>
-              <a:t>8/23/2021</a:t>
+              <a:t>8/29/2021</a:t>
             </a:fld>
             <a:endParaRPr lang="en-US"/>
           </a:p>
@@ -7565,6 +7566,98 @@
 </p:sld>
 </file>
 
+<file path=ppt/slides/slide12.xml><?xml version="1.0" encoding="utf-8"?>
+<p:sld xmlns:a="http://schemas.openxmlformats.org/drawingml/2006/main" xmlns:r="http://schemas.openxmlformats.org/officeDocument/2006/relationships" xmlns:p="http://schemas.openxmlformats.org/presentationml/2006/main">
+  <p:cSld>
+    <p:spTree>
+      <p:nvGrpSpPr>
+        <p:cNvPr id="1" name=""/>
+        <p:cNvGrpSpPr/>
+        <p:nvPr/>
+      </p:nvGrpSpPr>
+      <p:grpSpPr>
+        <a:xfrm>
+          <a:off x="0" y="0"/>
+          <a:ext cx="0" cy="0"/>
+          <a:chOff x="0" y="0"/>
+          <a:chExt cx="0" cy="0"/>
+        </a:xfrm>
+      </p:grpSpPr>
+      <p:sp>
+        <p:nvSpPr>
+          <p:cNvPr id="2" name="Title 1"/>
+          <p:cNvSpPr>
+            <a:spLocks noGrp="1"/>
+          </p:cNvSpPr>
+          <p:nvPr>
+            <p:ph type="title"/>
+          </p:nvPr>
+        </p:nvSpPr>
+        <p:spPr/>
+        <p:txBody>
+          <a:bodyPr/>
+          <a:lstStyle/>
+          <a:p>
+            <a:r>
+              <a:rPr/>
+              <a:t>mozilla</a:t>
+            </a:r>
+          </a:p>
+        </p:txBody>
+      </p:sp>
+      <p:sp>
+        <p:nvSpPr>
+          <p:cNvPr id="3" name="Content Placeholder 2"/>
+          <p:cNvSpPr>
+            <a:spLocks noGrp="1"/>
+          </p:cNvSpPr>
+          <p:nvPr>
+            <p:ph type="body" idx="1"/>
+          </p:nvPr>
+        </p:nvSpPr>
+        <p:spPr/>
+        <p:txBody>
+          <a:bodyPr/>
+          <a:lstStyle/>
+          <a:p>
+            <a:r>
+              <a:rPr/>
+              <a:t>Mozilla is a global non-profit dedicated to putting you in control of your online experience and shaping the future of the web for the public good. Visit us at </a:t>
+            </a:r>
+            <a:r>
+              <a:rPr>
+                <a:hlinkClick r:id="rId2"/>
+              </a:rPr>
+              <a:t>mozilla.org</a:t>
+            </a:r>
+          </a:p>
+        </p:txBody>
+      </p:sp>
+    </p:spTree>
+    <p:extLst>
+      <p:ext uri="{BB962C8B-B14F-4D97-AF65-F5344CB8AC3E}">
+        <p14:creationId xmlns:p14="http://schemas.microsoft.com/office/powerpoint/2010/main" val="1653691640"/>
+      </p:ext>
+    </p:extLst>
+  </p:cSld>
+  <p:clrMapOvr>
+    <a:masterClrMapping/>
+  </p:clrMapOvr>
+  <mc:AlternateContent xmlns:mc="http://schemas.openxmlformats.org/markup-compatibility/2006" xmlns:p14="http://schemas.microsoft.com/office/powerpoint/2010/main">
+    <mc:Choice Requires="p14">
+      <p:transition spd="med" p14:dur="700">
+        <p:fade/>
+      </p:transition>
+    </mc:Choice>
+    <mc:Fallback xmlns="">
+      <p:transition spd="med">
+        <p:fade/>
+      </p:transition>
+    </mc:Fallback>
+  </mc:AlternateContent>
+</p:sld>
+</file>
+
 <file path=ppt/slides/slide2.xml><?xml version="1.0" encoding="utf-8"?>
 <p:sld xmlns:a="http://schemas.openxmlformats.org/drawingml/2006/main" xmlns:r="http://schemas.openxmlformats.org/officeDocument/2006/relationships" xmlns:p="http://schemas.openxmlformats.org/presentationml/2006/main">
   <p:cSld>

--- a/final ppt/01-web-and-you.pptx
+++ b/final ppt/01-web-and-you.pptx
@@ -2,7 +2,7 @@
 <file path=ppt/presentation.xml><?xml version="1.0" encoding="utf-8"?>
 <p:presentation xmlns:a="http://schemas.openxmlformats.org/drawingml/2006/main" xmlns:r="http://schemas.openxmlformats.org/officeDocument/2006/relationships" xmlns:p="http://schemas.openxmlformats.org/presentationml/2006/main" saveSubsetFonts="1" autoCompressPictures="0">
   <p:sldMasterIdLst>
-    <p:sldMasterId id="2147483660" r:id="rId1"/>
+    <p:sldMasterId id="2147483672" r:id="rId1"/>
   </p:sldMasterIdLst>
   <p:notesMasterIdLst>
     <p:notesMasterId r:id="rId14"/>
@@ -3035,7 +3035,7 @@
     </p:spTree>
     <p:extLst>
       <p:ext uri="{BB962C8B-B14F-4D97-AF65-F5344CB8AC3E}">
-        <p14:creationId xmlns:p14="http://schemas.microsoft.com/office/powerpoint/2010/main" val="2026406378"/>
+        <p14:creationId xmlns:p14="http://schemas.microsoft.com/office/powerpoint/2010/main" val="3902108713"/>
       </p:ext>
     </p:extLst>
   </p:cSld>
@@ -3117,7 +3117,7 @@
     </p:spTree>
     <p:extLst>
       <p:ext uri="{BB962C8B-B14F-4D97-AF65-F5344CB8AC3E}">
-        <p14:creationId xmlns:p14="http://schemas.microsoft.com/office/powerpoint/2010/main" val="3806723408"/>
+        <p14:creationId xmlns:p14="http://schemas.microsoft.com/office/powerpoint/2010/main" val="1756804580"/>
       </p:ext>
     </p:extLst>
   </p:cSld>
@@ -3241,35 +3241,35 @@
           <a:p>
             <a:pPr lvl="0"/>
             <a:r>
-              <a:rPr lang="en-US" dirty="0" smtClean="0"/>
+              <a:rPr lang="en-US" smtClean="0"/>
               <a:t>Edit Master text styles</a:t>
             </a:r>
           </a:p>
           <a:p>
             <a:pPr lvl="1"/>
             <a:r>
-              <a:rPr lang="en-US" dirty="0" smtClean="0"/>
+              <a:rPr lang="en-US" smtClean="0"/>
               <a:t>Second level</a:t>
             </a:r>
           </a:p>
           <a:p>
             <a:pPr lvl="2"/>
             <a:r>
-              <a:rPr lang="en-US" dirty="0" smtClean="0"/>
+              <a:rPr lang="en-US" smtClean="0"/>
               <a:t>Third level</a:t>
             </a:r>
           </a:p>
           <a:p>
             <a:pPr lvl="3"/>
             <a:r>
-              <a:rPr lang="en-US" dirty="0" smtClean="0"/>
+              <a:rPr lang="en-US" smtClean="0"/>
               <a:t>Fourth level</a:t>
             </a:r>
           </a:p>
           <a:p>
             <a:pPr lvl="4"/>
             <a:r>
-              <a:rPr lang="en-US" dirty="0" smtClean="0"/>
+              <a:rPr lang="en-US" smtClean="0"/>
               <a:t>Fifth level</a:t>
             </a:r>
             <a:endParaRPr lang="en-US" dirty="0"/>
@@ -3279,7 +3279,7 @@
     </p:spTree>
     <p:extLst>
       <p:ext uri="{BB962C8B-B14F-4D97-AF65-F5344CB8AC3E}">
-        <p14:creationId xmlns:p14="http://schemas.microsoft.com/office/powerpoint/2010/main" val="2657843384"/>
+        <p14:creationId xmlns:p14="http://schemas.microsoft.com/office/powerpoint/2010/main" val="600372660"/>
       </p:ext>
     </p:extLst>
   </p:cSld>
@@ -3436,38 +3436,93 @@
         <p:txBody>
           <a:bodyPr lIns="91425" tIns="91425" rIns="91425" bIns="91425" anchor="t" anchorCtr="0"/>
           <a:lstStyle>
-            <a:lvl1pPr lvl="0">
-              <a:spcBef>
-                <a:spcPts val="0"/>
-              </a:spcBef>
+            <a:lvl1pPr marL="0" marR="0" lvl="0" indent="0" algn="l" defTabSz="914400" rtl="0" eaLnBrk="1" fontAlgn="auto" latinLnBrk="0" hangingPunct="1">
+              <a:lnSpc>
+                <a:spcPct val="90000"/>
+              </a:lnSpc>
+              <a:spcBef>
+                <a:spcPts val="1000"/>
+              </a:spcBef>
+              <a:spcAft>
+                <a:spcPts val="0"/>
+              </a:spcAft>
+              <a:buClrTx/>
+              <a:buSzTx/>
+              <a:buFont typeface="Arial" panose="020B0604020202020204" pitchFamily="34" charset="0"/>
+              <a:buNone/>
+              <a:tabLst/>
               <a:defRPr sz="2400">
                 <a:latin typeface="Arial" panose="020B0604020202020204" pitchFamily="34" charset="0"/>
                 <a:cs typeface="Arial" panose="020B0604020202020204" pitchFamily="34" charset="0"/>
               </a:defRPr>
             </a:lvl1pPr>
-            <a:lvl2pPr lvl="1">
-              <a:spcBef>
-                <a:spcPts val="0"/>
-              </a:spcBef>
-              <a:defRPr/>
+            <a:lvl2pPr marL="685800" marR="0" lvl="1" indent="-228600" algn="l" defTabSz="914400" rtl="0" eaLnBrk="1" fontAlgn="auto" latinLnBrk="0" hangingPunct="1">
+              <a:lnSpc>
+                <a:spcPct val="90000"/>
+              </a:lnSpc>
+              <a:spcBef>
+                <a:spcPts val="500"/>
+              </a:spcBef>
+              <a:spcAft>
+                <a:spcPts val="0"/>
+              </a:spcAft>
+              <a:buClrTx/>
+              <a:buSzTx/>
+              <a:buFont typeface="Arial" panose="020B0604020202020204" pitchFamily="34" charset="0"/>
+              <a:buChar char="•"/>
+              <a:tabLst/>
+              <a:defRPr sz="2000"/>
             </a:lvl2pPr>
-            <a:lvl3pPr lvl="2">
-              <a:spcBef>
-                <a:spcPts val="0"/>
-              </a:spcBef>
-              <a:defRPr/>
+            <a:lvl3pPr marL="1143000" marR="0" lvl="2" indent="-228600" algn="l" defTabSz="914400" rtl="0" eaLnBrk="1" fontAlgn="auto" latinLnBrk="0" hangingPunct="1">
+              <a:lnSpc>
+                <a:spcPct val="90000"/>
+              </a:lnSpc>
+              <a:spcBef>
+                <a:spcPts val="500"/>
+              </a:spcBef>
+              <a:spcAft>
+                <a:spcPts val="0"/>
+              </a:spcAft>
+              <a:buClrTx/>
+              <a:buSzTx/>
+              <a:buFont typeface="Arial" panose="020B0604020202020204" pitchFamily="34" charset="0"/>
+              <a:buChar char="•"/>
+              <a:tabLst/>
+              <a:defRPr sz="1800"/>
             </a:lvl3pPr>
-            <a:lvl4pPr lvl="3">
-              <a:spcBef>
-                <a:spcPts val="0"/>
-              </a:spcBef>
-              <a:defRPr/>
+            <a:lvl4pPr marL="1600200" marR="0" lvl="3" indent="-228600" algn="l" defTabSz="914400" rtl="0" eaLnBrk="1" fontAlgn="auto" latinLnBrk="0" hangingPunct="1">
+              <a:lnSpc>
+                <a:spcPct val="90000"/>
+              </a:lnSpc>
+              <a:spcBef>
+                <a:spcPts val="500"/>
+              </a:spcBef>
+              <a:spcAft>
+                <a:spcPts val="0"/>
+              </a:spcAft>
+              <a:buClrTx/>
+              <a:buSzTx/>
+              <a:buFont typeface="Arial" panose="020B0604020202020204" pitchFamily="34" charset="0"/>
+              <a:buChar char="•"/>
+              <a:tabLst/>
+              <a:defRPr sz="1600"/>
             </a:lvl4pPr>
-            <a:lvl5pPr lvl="4">
-              <a:spcBef>
-                <a:spcPts val="0"/>
-              </a:spcBef>
-              <a:defRPr/>
+            <a:lvl5pPr marL="2057400" marR="0" lvl="4" indent="-228600" algn="l" defTabSz="914400" rtl="0" eaLnBrk="1" fontAlgn="auto" latinLnBrk="0" hangingPunct="1">
+              <a:lnSpc>
+                <a:spcPct val="90000"/>
+              </a:lnSpc>
+              <a:spcBef>
+                <a:spcPts val="500"/>
+              </a:spcBef>
+              <a:spcAft>
+                <a:spcPts val="0"/>
+              </a:spcAft>
+              <a:buClrTx/>
+              <a:buSzTx/>
+              <a:buFont typeface="Arial" panose="020B0604020202020204" pitchFamily="34" charset="0"/>
+              <a:buChar char="•"/>
+              <a:tabLst/>
+              <a:defRPr sz="2000"/>
             </a:lvl5pPr>
             <a:lvl6pPr lvl="5">
               <a:spcBef>
@@ -3495,11 +3550,198 @@
             </a:lvl9pPr>
           </a:lstStyle>
           <a:p>
-            <a:pPr lvl="0"/>
-            <a:r>
-              <a:rPr lang="en-US" smtClean="0"/>
+            <a:pPr marL="0" marR="0" lvl="0" indent="0" algn="l" defTabSz="914400" rtl="0" eaLnBrk="1" fontAlgn="auto" latinLnBrk="0" hangingPunct="1">
+              <a:lnSpc>
+                <a:spcPct val="90000"/>
+              </a:lnSpc>
+              <a:spcBef>
+                <a:spcPts val="1000"/>
+              </a:spcBef>
+              <a:spcAft>
+                <a:spcPts val="0"/>
+              </a:spcAft>
+              <a:buClrTx/>
+              <a:buSzTx/>
+              <a:buFont typeface="Arial" panose="020B0604020202020204" pitchFamily="34" charset="0"/>
+              <a:buNone/>
+              <a:tabLst/>
+              <a:defRPr/>
+            </a:pPr>
+            <a:r>
+              <a:rPr kumimoji="0" lang="en-US" sz="2400" b="0" i="0" u="none" strike="noStrike" kern="1200" cap="none" spc="0" normalizeH="0" baseline="0" noProof="0" smtClean="0">
+                <a:ln>
+                  <a:noFill/>
+                </a:ln>
+                <a:solidFill>
+                  <a:prstClr val="black"/>
+                </a:solidFill>
+                <a:effectLst/>
+                <a:uLnTx/>
+                <a:uFillTx/>
+                <a:latin typeface="Arial" panose="020B0604020202020204" pitchFamily="34" charset="0"/>
+                <a:cs typeface="Arial" panose="020B0604020202020204" pitchFamily="34" charset="0"/>
+                <a:sym typeface="Roboto"/>
+              </a:rPr>
               <a:t>Edit Master text styles</a:t>
             </a:r>
+          </a:p>
+          <a:p>
+            <a:pPr marL="0" marR="0" lvl="1" indent="0" algn="l" defTabSz="914400" rtl="0" eaLnBrk="1" fontAlgn="auto" latinLnBrk="0" hangingPunct="1">
+              <a:lnSpc>
+                <a:spcPct val="90000"/>
+              </a:lnSpc>
+              <a:spcBef>
+                <a:spcPts val="1000"/>
+              </a:spcBef>
+              <a:spcAft>
+                <a:spcPts val="0"/>
+              </a:spcAft>
+              <a:buClrTx/>
+              <a:buSzTx/>
+              <a:buFont typeface="Arial" panose="020B0604020202020204" pitchFamily="34" charset="0"/>
+              <a:buNone/>
+              <a:tabLst/>
+              <a:defRPr/>
+            </a:pPr>
+            <a:r>
+              <a:rPr kumimoji="0" lang="en-US" sz="2400" b="0" i="0" u="none" strike="noStrike" kern="1200" cap="none" spc="0" normalizeH="0" baseline="0" noProof="0" smtClean="0">
+                <a:ln>
+                  <a:noFill/>
+                </a:ln>
+                <a:solidFill>
+                  <a:prstClr val="black"/>
+                </a:solidFill>
+                <a:effectLst/>
+                <a:uLnTx/>
+                <a:uFillTx/>
+                <a:latin typeface="Arial" panose="020B0604020202020204" pitchFamily="34" charset="0"/>
+                <a:cs typeface="Arial" panose="020B0604020202020204" pitchFamily="34" charset="0"/>
+                <a:sym typeface="Roboto"/>
+              </a:rPr>
+              <a:t>Second level</a:t>
+            </a:r>
+          </a:p>
+          <a:p>
+            <a:pPr marL="0" marR="0" lvl="2" indent="0" algn="l" defTabSz="914400" rtl="0" eaLnBrk="1" fontAlgn="auto" latinLnBrk="0" hangingPunct="1">
+              <a:lnSpc>
+                <a:spcPct val="90000"/>
+              </a:lnSpc>
+              <a:spcBef>
+                <a:spcPts val="1000"/>
+              </a:spcBef>
+              <a:spcAft>
+                <a:spcPts val="0"/>
+              </a:spcAft>
+              <a:buClrTx/>
+              <a:buSzTx/>
+              <a:buFont typeface="Arial" panose="020B0604020202020204" pitchFamily="34" charset="0"/>
+              <a:buNone/>
+              <a:tabLst/>
+              <a:defRPr/>
+            </a:pPr>
+            <a:r>
+              <a:rPr kumimoji="0" lang="en-US" sz="2400" b="0" i="0" u="none" strike="noStrike" kern="1200" cap="none" spc="0" normalizeH="0" baseline="0" noProof="0" smtClean="0">
+                <a:ln>
+                  <a:noFill/>
+                </a:ln>
+                <a:solidFill>
+                  <a:prstClr val="black"/>
+                </a:solidFill>
+                <a:effectLst/>
+                <a:uLnTx/>
+                <a:uFillTx/>
+                <a:latin typeface="Arial" panose="020B0604020202020204" pitchFamily="34" charset="0"/>
+                <a:cs typeface="Arial" panose="020B0604020202020204" pitchFamily="34" charset="0"/>
+                <a:sym typeface="Roboto"/>
+              </a:rPr>
+              <a:t>Third level</a:t>
+            </a:r>
+          </a:p>
+          <a:p>
+            <a:pPr marL="0" marR="0" lvl="3" indent="0" algn="l" defTabSz="914400" rtl="0" eaLnBrk="1" fontAlgn="auto" latinLnBrk="0" hangingPunct="1">
+              <a:lnSpc>
+                <a:spcPct val="90000"/>
+              </a:lnSpc>
+              <a:spcBef>
+                <a:spcPts val="1000"/>
+              </a:spcBef>
+              <a:spcAft>
+                <a:spcPts val="0"/>
+              </a:spcAft>
+              <a:buClrTx/>
+              <a:buSzTx/>
+              <a:buFont typeface="Arial" panose="020B0604020202020204" pitchFamily="34" charset="0"/>
+              <a:buNone/>
+              <a:tabLst/>
+              <a:defRPr/>
+            </a:pPr>
+            <a:r>
+              <a:rPr kumimoji="0" lang="en-US" sz="2400" b="0" i="0" u="none" strike="noStrike" kern="1200" cap="none" spc="0" normalizeH="0" baseline="0" noProof="0" smtClean="0">
+                <a:ln>
+                  <a:noFill/>
+                </a:ln>
+                <a:solidFill>
+                  <a:prstClr val="black"/>
+                </a:solidFill>
+                <a:effectLst/>
+                <a:uLnTx/>
+                <a:uFillTx/>
+                <a:latin typeface="Arial" panose="020B0604020202020204" pitchFamily="34" charset="0"/>
+                <a:cs typeface="Arial" panose="020B0604020202020204" pitchFamily="34" charset="0"/>
+                <a:sym typeface="Roboto"/>
+              </a:rPr>
+              <a:t>Fourth level</a:t>
+            </a:r>
+          </a:p>
+          <a:p>
+            <a:pPr marL="0" marR="0" lvl="4" indent="0" algn="l" defTabSz="914400" rtl="0" eaLnBrk="1" fontAlgn="auto" latinLnBrk="0" hangingPunct="1">
+              <a:lnSpc>
+                <a:spcPct val="90000"/>
+              </a:lnSpc>
+              <a:spcBef>
+                <a:spcPts val="1000"/>
+              </a:spcBef>
+              <a:spcAft>
+                <a:spcPts val="0"/>
+              </a:spcAft>
+              <a:buClrTx/>
+              <a:buSzTx/>
+              <a:buFont typeface="Arial" panose="020B0604020202020204" pitchFamily="34" charset="0"/>
+              <a:buNone/>
+              <a:tabLst/>
+              <a:defRPr/>
+            </a:pPr>
+            <a:r>
+              <a:rPr kumimoji="0" lang="en-US" sz="2400" b="0" i="0" u="none" strike="noStrike" kern="1200" cap="none" spc="0" normalizeH="0" baseline="0" noProof="0" smtClean="0">
+                <a:ln>
+                  <a:noFill/>
+                </a:ln>
+                <a:solidFill>
+                  <a:prstClr val="black"/>
+                </a:solidFill>
+                <a:effectLst/>
+                <a:uLnTx/>
+                <a:uFillTx/>
+                <a:latin typeface="Arial" panose="020B0604020202020204" pitchFamily="34" charset="0"/>
+                <a:cs typeface="Arial" panose="020B0604020202020204" pitchFamily="34" charset="0"/>
+                <a:sym typeface="Roboto"/>
+              </a:rPr>
+              <a:t>Fifth level</a:t>
+            </a:r>
+            <a:endParaRPr kumimoji="0" lang="en-GB" sz="1600" b="0" i="0" u="none" strike="noStrike" kern="1200" cap="none" spc="0" normalizeH="0" baseline="0" noProof="0" dirty="0">
+              <a:ln>
+                <a:noFill/>
+              </a:ln>
+              <a:solidFill>
+                <a:prstClr val="black"/>
+              </a:solidFill>
+              <a:effectLst/>
+              <a:uLnTx/>
+              <a:uFillTx/>
+              <a:latin typeface="Arial" panose="020B0604020202020204" pitchFamily="34" charset="0"/>
+              <a:cs typeface="Arial" panose="020B0604020202020204" pitchFamily="34" charset="0"/>
+              <a:sym typeface="Roboto"/>
+            </a:endParaRPr>
           </a:p>
         </p:txBody>
       </p:sp>
@@ -3739,7 +3981,7 @@
     </p:spTree>
     <p:extLst>
       <p:ext uri="{BB962C8B-B14F-4D97-AF65-F5344CB8AC3E}">
-        <p14:creationId xmlns:p14="http://schemas.microsoft.com/office/powerpoint/2010/main" val="1617720461"/>
+        <p14:creationId xmlns:p14="http://schemas.microsoft.com/office/powerpoint/2010/main" val="4186012988"/>
       </p:ext>
     </p:extLst>
   </p:cSld>
@@ -4087,7 +4329,7 @@
     </p:spTree>
     <p:extLst>
       <p:ext uri="{BB962C8B-B14F-4D97-AF65-F5344CB8AC3E}">
-        <p14:creationId xmlns:p14="http://schemas.microsoft.com/office/powerpoint/2010/main" val="391184207"/>
+        <p14:creationId xmlns:p14="http://schemas.microsoft.com/office/powerpoint/2010/main" val="157291455"/>
       </p:ext>
     </p:extLst>
   </p:cSld>
@@ -4236,7 +4478,7 @@
     </p:spTree>
     <p:extLst>
       <p:ext uri="{BB962C8B-B14F-4D97-AF65-F5344CB8AC3E}">
-        <p14:creationId xmlns:p14="http://schemas.microsoft.com/office/powerpoint/2010/main" val="2095647415"/>
+        <p14:creationId xmlns:p14="http://schemas.microsoft.com/office/powerpoint/2010/main" val="1012695171"/>
       </p:ext>
     </p:extLst>
   </p:cSld>
@@ -4514,7 +4756,7 @@
     </p:spTree>
     <p:extLst>
       <p:ext uri="{BB962C8B-B14F-4D97-AF65-F5344CB8AC3E}">
-        <p14:creationId xmlns:p14="http://schemas.microsoft.com/office/powerpoint/2010/main" val="2682585972"/>
+        <p14:creationId xmlns:p14="http://schemas.microsoft.com/office/powerpoint/2010/main" val="2341034929"/>
       </p:ext>
     </p:extLst>
   </p:cSld>
@@ -4947,7 +5189,7 @@
     </p:spTree>
     <p:extLst>
       <p:ext uri="{BB962C8B-B14F-4D97-AF65-F5344CB8AC3E}">
-        <p14:creationId xmlns:p14="http://schemas.microsoft.com/office/powerpoint/2010/main" val="1273908539"/>
+        <p14:creationId xmlns:p14="http://schemas.microsoft.com/office/powerpoint/2010/main" val="3661250584"/>
       </p:ext>
     </p:extLst>
   </p:cSld>
@@ -5483,7 +5725,7 @@
     </p:spTree>
     <p:extLst>
       <p:ext uri="{BB962C8B-B14F-4D97-AF65-F5344CB8AC3E}">
-        <p14:creationId xmlns:p14="http://schemas.microsoft.com/office/powerpoint/2010/main" val="4009744602"/>
+        <p14:creationId xmlns:p14="http://schemas.microsoft.com/office/powerpoint/2010/main" val="3889113138"/>
       </p:ext>
     </p:extLst>
   </p:cSld>
@@ -5594,7 +5836,7 @@
     </p:spTree>
     <p:extLst>
       <p:ext uri="{BB962C8B-B14F-4D97-AF65-F5344CB8AC3E}">
-        <p14:creationId xmlns:p14="http://schemas.microsoft.com/office/powerpoint/2010/main" val="1628705929"/>
+        <p14:creationId xmlns:p14="http://schemas.microsoft.com/office/powerpoint/2010/main" val="586870532"/>
       </p:ext>
     </p:extLst>
   </p:cSld>
@@ -6176,7 +6418,7 @@
     </p:spTree>
     <p:extLst>
       <p:ext uri="{BB962C8B-B14F-4D97-AF65-F5344CB8AC3E}">
-        <p14:creationId xmlns:p14="http://schemas.microsoft.com/office/powerpoint/2010/main" val="217618103"/>
+        <p14:creationId xmlns:p14="http://schemas.microsoft.com/office/powerpoint/2010/main" val="1153652144"/>
       </p:ext>
     </p:extLst>
   </p:cSld>
@@ -6668,6 +6910,200 @@
             </a:lvl9pPr>
           </a:lstStyle>
           <a:p>
+            <a:pPr marL="0" marR="0" lvl="0" indent="0" algn="l" defTabSz="914400" rtl="0" eaLnBrk="1" fontAlgn="auto" latinLnBrk="0" hangingPunct="1">
+              <a:lnSpc>
+                <a:spcPct val="90000"/>
+              </a:lnSpc>
+              <a:spcBef>
+                <a:spcPts val="1000"/>
+              </a:spcBef>
+              <a:spcAft>
+                <a:spcPts val="0"/>
+              </a:spcAft>
+              <a:buClrTx/>
+              <a:buSzTx/>
+              <a:buFont typeface="Arial" panose="020B0604020202020204" pitchFamily="34" charset="0"/>
+              <a:buNone/>
+              <a:tabLst/>
+              <a:defRPr/>
+            </a:pPr>
+            <a:r>
+              <a:rPr kumimoji="0" lang="en-US" sz="2400" b="0" i="0" u="none" strike="noStrike" kern="1200" cap="none" spc="0" normalizeH="0" baseline="0" noProof="0" dirty="0" smtClean="0">
+                <a:ln>
+                  <a:noFill/>
+                </a:ln>
+                <a:solidFill>
+                  <a:prstClr val="black"/>
+                </a:solidFill>
+                <a:effectLst/>
+                <a:uLnTx/>
+                <a:uFillTx/>
+                <a:latin typeface="Arial" panose="020B0604020202020204" pitchFamily="34" charset="0"/>
+                <a:cs typeface="Arial" panose="020B0604020202020204" pitchFamily="34" charset="0"/>
+                <a:sym typeface="Roboto"/>
+              </a:rPr>
+              <a:t>Edit Master text styles</a:t>
+            </a:r>
+          </a:p>
+          <a:p>
+            <a:pPr marL="685800" marR="0" lvl="1" indent="-228600" algn="l" defTabSz="914400" rtl="0" eaLnBrk="1" fontAlgn="auto" latinLnBrk="0" hangingPunct="1">
+              <a:lnSpc>
+                <a:spcPct val="90000"/>
+              </a:lnSpc>
+              <a:spcBef>
+                <a:spcPts val="500"/>
+              </a:spcBef>
+              <a:spcAft>
+                <a:spcPts val="0"/>
+              </a:spcAft>
+              <a:buClrTx/>
+              <a:buSzTx/>
+              <a:buFont typeface="Arial" panose="020B0604020202020204" pitchFamily="34" charset="0"/>
+              <a:buChar char="•"/>
+              <a:tabLst/>
+              <a:defRPr/>
+            </a:pPr>
+            <a:r>
+              <a:rPr kumimoji="0" lang="en-US" sz="2000" b="0" i="0" u="none" strike="noStrike" kern="1200" cap="none" spc="0" normalizeH="0" baseline="0" noProof="0" dirty="0" smtClean="0">
+                <a:ln>
+                  <a:noFill/>
+                </a:ln>
+                <a:solidFill>
+                  <a:prstClr val="black"/>
+                </a:solidFill>
+                <a:effectLst/>
+                <a:uLnTx/>
+                <a:uFillTx/>
+                <a:latin typeface="Arial" panose="020B0604020202020204" pitchFamily="34" charset="0"/>
+                <a:cs typeface="Arial" panose="020B0604020202020204" pitchFamily="34" charset="0"/>
+                <a:sym typeface="Roboto"/>
+              </a:rPr>
+              <a:t>Second level</a:t>
+            </a:r>
+          </a:p>
+          <a:p>
+            <a:pPr marL="1143000" marR="0" lvl="2" indent="-228600" algn="l" defTabSz="914400" rtl="0" eaLnBrk="1" fontAlgn="auto" latinLnBrk="0" hangingPunct="1">
+              <a:lnSpc>
+                <a:spcPct val="90000"/>
+              </a:lnSpc>
+              <a:spcBef>
+                <a:spcPts val="500"/>
+              </a:spcBef>
+              <a:spcAft>
+                <a:spcPts val="0"/>
+              </a:spcAft>
+              <a:buClrTx/>
+              <a:buSzTx/>
+              <a:buFont typeface="Arial" panose="020B0604020202020204" pitchFamily="34" charset="0"/>
+              <a:buChar char="•"/>
+              <a:tabLst/>
+              <a:defRPr/>
+            </a:pPr>
+            <a:r>
+              <a:rPr kumimoji="0" lang="en-US" sz="1800" b="0" i="0" u="none" strike="noStrike" kern="1200" cap="none" spc="0" normalizeH="0" baseline="0" noProof="0" dirty="0" smtClean="0">
+                <a:ln>
+                  <a:noFill/>
+                </a:ln>
+                <a:solidFill>
+                  <a:prstClr val="black"/>
+                </a:solidFill>
+                <a:effectLst/>
+                <a:uLnTx/>
+                <a:uFillTx/>
+                <a:latin typeface="Arial" panose="020B0604020202020204" pitchFamily="34" charset="0"/>
+                <a:cs typeface="Arial" panose="020B0604020202020204" pitchFamily="34" charset="0"/>
+                <a:sym typeface="Roboto"/>
+              </a:rPr>
+              <a:t>Third level</a:t>
+            </a:r>
+          </a:p>
+          <a:p>
+            <a:pPr marL="1600200" marR="0" lvl="3" indent="-228600" algn="l" defTabSz="914400" rtl="0" eaLnBrk="1" fontAlgn="auto" latinLnBrk="0" hangingPunct="1">
+              <a:lnSpc>
+                <a:spcPct val="90000"/>
+              </a:lnSpc>
+              <a:spcBef>
+                <a:spcPts val="500"/>
+              </a:spcBef>
+              <a:spcAft>
+                <a:spcPts val="0"/>
+              </a:spcAft>
+              <a:buClrTx/>
+              <a:buSzTx/>
+              <a:buFont typeface="Arial" panose="020B0604020202020204" pitchFamily="34" charset="0"/>
+              <a:buChar char="•"/>
+              <a:tabLst/>
+              <a:defRPr/>
+            </a:pPr>
+            <a:r>
+              <a:rPr kumimoji="0" lang="en-US" sz="1600" b="0" i="0" u="none" strike="noStrike" kern="1200" cap="none" spc="0" normalizeH="0" baseline="0" noProof="0" dirty="0" smtClean="0">
+                <a:ln>
+                  <a:noFill/>
+                </a:ln>
+                <a:solidFill>
+                  <a:prstClr val="black"/>
+                </a:solidFill>
+                <a:effectLst/>
+                <a:uLnTx/>
+                <a:uFillTx/>
+                <a:latin typeface="Arial" panose="020B0604020202020204" pitchFamily="34" charset="0"/>
+                <a:cs typeface="Arial" panose="020B0604020202020204" pitchFamily="34" charset="0"/>
+                <a:sym typeface="Roboto"/>
+              </a:rPr>
+              <a:t>Fourth level</a:t>
+            </a:r>
+          </a:p>
+          <a:p>
+            <a:pPr marL="2057400" marR="0" lvl="4" indent="-228600" algn="l" defTabSz="914400" rtl="0" eaLnBrk="1" fontAlgn="auto" latinLnBrk="0" hangingPunct="1">
+              <a:lnSpc>
+                <a:spcPct val="90000"/>
+              </a:lnSpc>
+              <a:spcBef>
+                <a:spcPts val="500"/>
+              </a:spcBef>
+              <a:spcAft>
+                <a:spcPts val="0"/>
+              </a:spcAft>
+              <a:buClrTx/>
+              <a:buSzTx/>
+              <a:buFont typeface="Arial" panose="020B0604020202020204" pitchFamily="34" charset="0"/>
+              <a:buChar char="•"/>
+              <a:tabLst/>
+              <a:defRPr/>
+            </a:pPr>
+            <a:r>
+              <a:rPr kumimoji="0" lang="en-US" sz="1600" b="0" i="0" u="none" strike="noStrike" kern="1200" cap="none" spc="0" normalizeH="0" baseline="0" noProof="0" dirty="0" smtClean="0">
+                <a:ln>
+                  <a:noFill/>
+                </a:ln>
+                <a:solidFill>
+                  <a:prstClr val="black"/>
+                </a:solidFill>
+                <a:effectLst/>
+                <a:uLnTx/>
+                <a:uFillTx/>
+                <a:latin typeface="Arial" panose="020B0604020202020204" pitchFamily="34" charset="0"/>
+                <a:cs typeface="Arial" panose="020B0604020202020204" pitchFamily="34" charset="0"/>
+                <a:sym typeface="Roboto"/>
+              </a:rPr>
+              <a:t>Fifth level</a:t>
+            </a:r>
+            <a:endParaRPr kumimoji="0" lang="en-GB" sz="1600" b="0" i="0" u="none" strike="noStrike" kern="1200" cap="none" spc="0" normalizeH="0" baseline="0" noProof="0" dirty="0" smtClean="0">
+              <a:ln>
+                <a:noFill/>
+              </a:ln>
+              <a:solidFill>
+                <a:prstClr val="black"/>
+              </a:solidFill>
+              <a:effectLst/>
+              <a:uLnTx/>
+              <a:uFillTx/>
+              <a:latin typeface="Arial" panose="020B0604020202020204" pitchFamily="34" charset="0"/>
+              <a:cs typeface="Arial" panose="020B0604020202020204" pitchFamily="34" charset="0"/>
+              <a:sym typeface="Roboto"/>
+            </a:endParaRPr>
+          </a:p>
+          <a:p>
             <a:endParaRPr dirty="0"/>
           </a:p>
         </p:txBody>
@@ -6740,23 +7176,23 @@
     </p:spTree>
     <p:extLst>
       <p:ext uri="{BB962C8B-B14F-4D97-AF65-F5344CB8AC3E}">
-        <p14:creationId xmlns:p14="http://schemas.microsoft.com/office/powerpoint/2010/main" val="788972249"/>
+        <p14:creationId xmlns:p14="http://schemas.microsoft.com/office/powerpoint/2010/main" val="2997981859"/>
       </p:ext>
     </p:extLst>
   </p:cSld>
   <p:clrMap bg1="lt1" tx1="dk1" bg2="dk2" tx2="lt2" accent1="accent1" accent2="accent2" accent3="accent3" accent4="accent4" accent5="accent5" accent6="accent6" hlink="hlink" folHlink="folHlink"/>
   <p:sldLayoutIdLst>
-    <p:sldLayoutId id="2147483661" r:id="rId1"/>
-    <p:sldLayoutId id="2147483662" r:id="rId2"/>
-    <p:sldLayoutId id="2147483663" r:id="rId3"/>
-    <p:sldLayoutId id="2147483664" r:id="rId4"/>
-    <p:sldLayoutId id="2147483665" r:id="rId5"/>
-    <p:sldLayoutId id="2147483666" r:id="rId6"/>
-    <p:sldLayoutId id="2147483667" r:id="rId7"/>
-    <p:sldLayoutId id="2147483668" r:id="rId8"/>
-    <p:sldLayoutId id="2147483669" r:id="rId9"/>
-    <p:sldLayoutId id="2147483670" r:id="rId10"/>
-    <p:sldLayoutId id="2147483671" r:id="rId11"/>
+    <p:sldLayoutId id="2147483673" r:id="rId1"/>
+    <p:sldLayoutId id="2147483674" r:id="rId2"/>
+    <p:sldLayoutId id="2147483675" r:id="rId3"/>
+    <p:sldLayoutId id="2147483676" r:id="rId4"/>
+    <p:sldLayoutId id="2147483677" r:id="rId5"/>
+    <p:sldLayoutId id="2147483678" r:id="rId6"/>
+    <p:sldLayoutId id="2147483679" r:id="rId7"/>
+    <p:sldLayoutId id="2147483680" r:id="rId8"/>
+    <p:sldLayoutId id="2147483681" r:id="rId9"/>
+    <p:sldLayoutId id="2147483682" r:id="rId10"/>
+    <p:sldLayoutId id="2147483683" r:id="rId11"/>
   </p:sldLayoutIdLst>
   <mc:AlternateContent xmlns:mc="http://schemas.openxmlformats.org/markup-compatibility/2006" xmlns:p14="http://schemas.microsoft.com/office/powerpoint/2010/main">
     <mc:Choice Requires="p14">
@@ -6824,17 +7260,21 @@
           <a:spcPts val="0"/>
         </a:spcAft>
       </a:defPPr>
-      <a:lvl1pPr marR="0" lvl="0" algn="l" rtl="0" eaLnBrk="1" hangingPunct="1">
+      <a:lvl1pPr marL="0" marR="0" lvl="0" indent="0" algn="l" defTabSz="914400" rtl="0" eaLnBrk="1" fontAlgn="auto" latinLnBrk="0" hangingPunct="1">
         <a:lnSpc>
-          <a:spcPct val="100000"/>
+          <a:spcPct val="90000"/>
         </a:lnSpc>
         <a:spcBef>
-          <a:spcPts val="0"/>
+          <a:spcPts val="1000"/>
         </a:spcBef>
         <a:spcAft>
           <a:spcPts val="0"/>
         </a:spcAft>
+        <a:buClrTx/>
+        <a:buSzTx/>
+        <a:buFont typeface="Arial" panose="020B0604020202020204" pitchFamily="34" charset="0"/>
         <a:buNone/>
+        <a:tabLst/>
         <a:defRPr sz="2000" b="0" i="0" u="none" strike="noStrike" cap="none">
           <a:solidFill>
             <a:srgbClr val="000000"/>
@@ -6845,17 +7285,21 @@
           <a:sym typeface="Arial"/>
         </a:defRPr>
       </a:lvl1pPr>
-      <a:lvl2pPr marR="0" lvl="1" algn="l" rtl="0" eaLnBrk="1" hangingPunct="1">
+      <a:lvl2pPr marL="685800" marR="0" lvl="1" indent="-228600" algn="l" defTabSz="914400" rtl="0" eaLnBrk="1" fontAlgn="auto" latinLnBrk="0" hangingPunct="1">
         <a:lnSpc>
-          <a:spcPct val="100000"/>
+          <a:spcPct val="90000"/>
         </a:lnSpc>
         <a:spcBef>
-          <a:spcPts val="0"/>
+          <a:spcPts val="500"/>
         </a:spcBef>
         <a:spcAft>
           <a:spcPts val="0"/>
         </a:spcAft>
-        <a:buNone/>
+        <a:buClrTx/>
+        <a:buSzTx/>
+        <a:buFont typeface="Arial" panose="020B0604020202020204" pitchFamily="34" charset="0"/>
+        <a:buChar char="•"/>
+        <a:tabLst/>
         <a:defRPr sz="1866" b="0" i="0" u="none" strike="noStrike" cap="none">
           <a:solidFill>
             <a:srgbClr val="000000"/>
@@ -6866,17 +7310,21 @@
           <a:sym typeface="Arial"/>
         </a:defRPr>
       </a:lvl2pPr>
-      <a:lvl3pPr marR="0" lvl="2" algn="l" rtl="0" eaLnBrk="1" hangingPunct="1">
+      <a:lvl3pPr marL="1143000" marR="0" lvl="2" indent="-228600" algn="l" defTabSz="914400" rtl="0" eaLnBrk="1" fontAlgn="auto" latinLnBrk="0" hangingPunct="1">
         <a:lnSpc>
-          <a:spcPct val="100000"/>
+          <a:spcPct val="90000"/>
         </a:lnSpc>
         <a:spcBef>
-          <a:spcPts val="0"/>
+          <a:spcPts val="500"/>
         </a:spcBef>
         <a:spcAft>
           <a:spcPts val="0"/>
         </a:spcAft>
-        <a:buNone/>
+        <a:buClrTx/>
+        <a:buSzTx/>
+        <a:buFont typeface="Arial" panose="020B0604020202020204" pitchFamily="34" charset="0"/>
+        <a:buChar char="•"/>
+        <a:tabLst/>
         <a:defRPr sz="1866" b="0" i="0" u="none" strike="noStrike" cap="none">
           <a:solidFill>
             <a:srgbClr val="000000"/>
@@ -6887,17 +7335,21 @@
           <a:sym typeface="Arial"/>
         </a:defRPr>
       </a:lvl3pPr>
-      <a:lvl4pPr marR="0" lvl="3" algn="l" rtl="0" eaLnBrk="1" hangingPunct="1">
+      <a:lvl4pPr marL="1600200" marR="0" lvl="3" indent="-228600" algn="l" defTabSz="914400" rtl="0" eaLnBrk="1" fontAlgn="auto" latinLnBrk="0" hangingPunct="1">
         <a:lnSpc>
-          <a:spcPct val="100000"/>
+          <a:spcPct val="90000"/>
         </a:lnSpc>
         <a:spcBef>
-          <a:spcPts val="0"/>
+          <a:spcPts val="500"/>
         </a:spcBef>
         <a:spcAft>
           <a:spcPts val="0"/>
         </a:spcAft>
-        <a:buNone/>
+        <a:buClrTx/>
+        <a:buSzTx/>
+        <a:buFont typeface="Arial" panose="020B0604020202020204" pitchFamily="34" charset="0"/>
+        <a:buChar char="•"/>
+        <a:tabLst/>
         <a:defRPr sz="1866" b="0" i="0" u="none" strike="noStrike" cap="none">
           <a:solidFill>
             <a:srgbClr val="000000"/>
@@ -6908,17 +7360,21 @@
           <a:sym typeface="Arial"/>
         </a:defRPr>
       </a:lvl4pPr>
-      <a:lvl5pPr marR="0" lvl="4" algn="l" rtl="0" eaLnBrk="1" hangingPunct="1">
+      <a:lvl5pPr marL="2057400" marR="0" lvl="4" indent="-228600" algn="l" defTabSz="914400" rtl="0" eaLnBrk="1" fontAlgn="auto" latinLnBrk="0" hangingPunct="1">
         <a:lnSpc>
-          <a:spcPct val="100000"/>
+          <a:spcPct val="90000"/>
         </a:lnSpc>
         <a:spcBef>
-          <a:spcPts val="0"/>
+          <a:spcPts val="500"/>
         </a:spcBef>
         <a:spcAft>
           <a:spcPts val="0"/>
         </a:spcAft>
-        <a:buNone/>
+        <a:buClrTx/>
+        <a:buSzTx/>
+        <a:buFont typeface="Arial" panose="020B0604020202020204" pitchFamily="34" charset="0"/>
+        <a:buChar char="•"/>
+        <a:tabLst/>
         <a:defRPr sz="1866" b="0" i="0" u="none" strike="noStrike" cap="none">
           <a:solidFill>
             <a:srgbClr val="000000"/>
@@ -7397,7 +7853,7 @@
               <a:buChar char="•"/>
             </a:pPr>
             <a:r>
-              <a:rPr lang="en-GB" dirty="0"/>
+              <a:rPr lang="en-GB" dirty="0" smtClean="0"/>
               <a:t>Are YOU on the web?</a:t>
             </a:r>
           </a:p>
@@ -7407,7 +7863,7 @@
               <a:buChar char="•"/>
             </a:pPr>
             <a:r>
-              <a:rPr lang="en-GB" dirty="0"/>
+              <a:rPr lang="en-GB" dirty="0" smtClean="0"/>
               <a:t>How and where are you represented on the web?</a:t>
             </a:r>
           </a:p>
@@ -7417,7 +7873,7 @@
               <a:buChar char="•"/>
             </a:pPr>
             <a:r>
-              <a:rPr lang="en-GB" dirty="0"/>
+              <a:rPr lang="en-GB" dirty="0" smtClean="0"/>
               <a:t>How do you express yourself online?</a:t>
             </a:r>
           </a:p>
@@ -7427,26 +7883,15 @@
               <a:buChar char="•"/>
             </a:pPr>
             <a:r>
-              <a:rPr lang="en-GB" dirty="0"/>
-              <a:t>Who are your different </a:t>
-            </a:r>
-            <a:r>
               <a:rPr lang="en-GB" dirty="0" smtClean="0"/>
-              <a:t>audiences</a:t>
-            </a:r>
-          </a:p>
-          <a:p>
-            <a:pPr marL="342900" lvl="1" indent="-342900">
-              <a:buFont typeface="Arial" panose="020B0604020202020204" pitchFamily="34" charset="0"/>
-              <a:buChar char="•"/>
-            </a:pPr>
+              <a:t>Who are your different audiences</a:t>
+            </a:r>
+          </a:p>
+          <a:p>
+            <a:pPr lvl="1"/>
             <a:r>
               <a:rPr lang="en-GB" dirty="0" smtClean="0"/>
-              <a:t>Who’s </a:t>
-            </a:r>
-            <a:r>
-              <a:rPr lang="en-GB" dirty="0"/>
-              <a:t>looking or watching?</a:t>
+              <a:t>Who’s looking or watching?</a:t>
             </a:r>
           </a:p>
           <a:p>
@@ -7455,7 +7900,7 @@
               <a:buChar char="•"/>
             </a:pPr>
             <a:r>
-              <a:rPr lang="en-GB" dirty="0"/>
+              <a:rPr lang="en-GB" dirty="0" smtClean="0"/>
               <a:t>What do you choose to share?</a:t>
             </a:r>
           </a:p>
@@ -8599,22 +9044,22 @@
         <a:srgbClr val="B2B2B2"/>
       </a:folHlink>
     </a:clrScheme>
-    <a:fontScheme name="Office">
+    <a:fontScheme name="Arial">
       <a:majorFont>
-        <a:latin typeface="Calibri Light" panose="020F0302020204030204"/>
+        <a:latin typeface="Arial" panose="020B0604020202020204"/>
         <a:ea typeface=""/>
         <a:cs typeface=""/>
-        <a:font script="Jpan" typeface="游ゴシック Light"/>
-        <a:font script="Hang" typeface="맑은 고딕"/>
-        <a:font script="Hans" typeface="等线 Light"/>
-        <a:font script="Hant" typeface="新細明體"/>
-        <a:font script="Arab" typeface="Times New Roman"/>
-        <a:font script="Hebr" typeface="Times New Roman"/>
-        <a:font script="Thai" typeface="Angsana New"/>
+        <a:font script="Jpan" typeface="ＭＳ Ｐゴシック"/>
+        <a:font script="Hang" typeface="굴림"/>
+        <a:font script="Hans" typeface="黑体"/>
+        <a:font script="Hant" typeface="微軟正黑體"/>
+        <a:font script="Arab" typeface="Arial"/>
+        <a:font script="Hebr" typeface="Arial"/>
+        <a:font script="Thai" typeface="Cordia New"/>
         <a:font script="Ethi" typeface="Nyala"/>
         <a:font script="Beng" typeface="Vrinda"/>
         <a:font script="Gujr" typeface="Shruti"/>
-        <a:font script="Khmr" typeface="MoolBoran"/>
+        <a:font script="Khmr" typeface="DaunPenh"/>
         <a:font script="Knda" typeface="Tunga"/>
         <a:font script="Guru" typeface="Raavi"/>
         <a:font script="Cans" typeface="Euphemia"/>
@@ -8631,18 +9076,18 @@
         <a:font script="Laoo" typeface="DokChampa"/>
         <a:font script="Sinh" typeface="Iskoola Pota"/>
         <a:font script="Mong" typeface="Mongolian Baiti"/>
-        <a:font script="Viet" typeface="Times New Roman"/>
+        <a:font script="Viet" typeface="Arial"/>
         <a:font script="Uigh" typeface="Microsoft Uighur"/>
         <a:font script="Geor" typeface="Sylfaen"/>
       </a:majorFont>
       <a:minorFont>
-        <a:latin typeface="Calibri" panose="020F0502020204030204"/>
+        <a:latin typeface="Arial" panose="020B0604020202020204"/>
         <a:ea typeface=""/>
         <a:cs typeface=""/>
-        <a:font script="Jpan" typeface="游ゴシック"/>
-        <a:font script="Hang" typeface="맑은 고딕"/>
-        <a:font script="Hans" typeface="等线"/>
-        <a:font script="Hant" typeface="新細明體"/>
+        <a:font script="Jpan" typeface="ＭＳ Ｐゴシック"/>
+        <a:font script="Hang" typeface="굴림"/>
+        <a:font script="Hans" typeface="黑体"/>
+        <a:font script="Hant" typeface="微軟正黑體"/>
         <a:font script="Arab" typeface="Arial"/>
         <a:font script="Hebr" typeface="Arial"/>
         <a:font script="Thai" typeface="Cordia New"/>
@@ -8838,7 +9283,7 @@
   <a:extraClrSchemeLst/>
   <a:extLst>
     <a:ext uri="{05A4C25C-085E-4340-85A3-A5531E510DB2}">
-      <thm15:themeFamily xmlns:thm15="http://schemas.microsoft.com/office/thememl/2012/main" name="UTC OLP Theme" id="{A171DE49-DD35-4654-9995-F736486ED2C4}" vid="{603C8D07-0ECF-4A1E-9F01-49FC6DFD1544}"/>
+      <thm15:themeFamily xmlns:thm15="http://schemas.microsoft.com/office/thememl/2012/main" name="UTC OLP Theme" id="{757F8F19-47A8-4602-8F73-D5C216E00702}" vid="{2CCBC7F8-B9A8-4414-93FE-996F10744F9F}"/>
     </a:ext>
   </a:extLst>
 </a:theme>

--- a/final ppt/01-web-and-you.pptx
+++ b/final ppt/01-web-and-you.pptx
@@ -2,7 +2,7 @@
 <file path=ppt/presentation.xml><?xml version="1.0" encoding="utf-8"?>
 <p:presentation xmlns:a="http://schemas.openxmlformats.org/drawingml/2006/main" xmlns:r="http://schemas.openxmlformats.org/officeDocument/2006/relationships" xmlns:p="http://schemas.openxmlformats.org/presentationml/2006/main" saveSubsetFonts="1" autoCompressPictures="0">
   <p:sldMasterIdLst>
-    <p:sldMasterId id="2147483672" r:id="rId1"/>
+    <p:sldMasterId id="2147483684" r:id="rId1"/>
   </p:sldMasterIdLst>
   <p:notesMasterIdLst>
     <p:notesMasterId r:id="rId14"/>
@@ -326,7 +326,7 @@
           <a:p>
             <a:fld id="{0F9C1CCF-B725-44A7-AA57-5E433BD85C9F}" type="datetimeFigureOut">
               <a:rPr lang="en-US" smtClean="0"/>
-              <a:t>8/29/2021</a:t>
+              <a:t>8/30/2021</a:t>
             </a:fld>
             <a:endParaRPr lang="en-US"/>
           </a:p>
@@ -3035,7 +3035,7 @@
     </p:spTree>
     <p:extLst>
       <p:ext uri="{BB962C8B-B14F-4D97-AF65-F5344CB8AC3E}">
-        <p14:creationId xmlns:p14="http://schemas.microsoft.com/office/powerpoint/2010/main" val="3902108713"/>
+        <p14:creationId xmlns:p14="http://schemas.microsoft.com/office/powerpoint/2010/main" val="2619345982"/>
       </p:ext>
     </p:extLst>
   </p:cSld>
@@ -3117,7 +3117,7 @@
     </p:spTree>
     <p:extLst>
       <p:ext uri="{BB962C8B-B14F-4D97-AF65-F5344CB8AC3E}">
-        <p14:creationId xmlns:p14="http://schemas.microsoft.com/office/powerpoint/2010/main" val="1756804580"/>
+        <p14:creationId xmlns:p14="http://schemas.microsoft.com/office/powerpoint/2010/main" val="1080255459"/>
       </p:ext>
     </p:extLst>
   </p:cSld>
@@ -3207,31 +3207,101 @@
         <p:txBody>
           <a:bodyPr/>
           <a:lstStyle>
-            <a:lvl1pPr>
+            <a:lvl1pPr marL="0" marR="0" indent="0" algn="l" defTabSz="914400" rtl="0" eaLnBrk="1" fontAlgn="auto" latinLnBrk="0" hangingPunct="1">
+              <a:lnSpc>
+                <a:spcPct val="90000"/>
+              </a:lnSpc>
+              <a:spcBef>
+                <a:spcPts val="1000"/>
+              </a:spcBef>
+              <a:spcAft>
+                <a:spcPts val="0"/>
+              </a:spcAft>
+              <a:buClrTx/>
+              <a:buSzTx/>
+              <a:buFont typeface="Arial" panose="020B0604020202020204" pitchFamily="34" charset="0"/>
+              <a:buNone/>
+              <a:tabLst/>
               <a:defRPr>
                 <a:latin typeface="Arial" panose="020B0604020202020204" pitchFamily="34" charset="0"/>
                 <a:cs typeface="Arial" panose="020B0604020202020204" pitchFamily="34" charset="0"/>
               </a:defRPr>
             </a:lvl1pPr>
-            <a:lvl2pPr>
+            <a:lvl2pPr marL="685800" marR="0" indent="-228600" algn="l" defTabSz="914400" rtl="0" eaLnBrk="1" fontAlgn="auto" latinLnBrk="0" hangingPunct="1">
+              <a:lnSpc>
+                <a:spcPct val="90000"/>
+              </a:lnSpc>
+              <a:spcBef>
+                <a:spcPts val="500"/>
+              </a:spcBef>
+              <a:spcAft>
+                <a:spcPts val="0"/>
+              </a:spcAft>
+              <a:buClrTx/>
+              <a:buSzTx/>
+              <a:buFont typeface="Arial" panose="020B0604020202020204" pitchFamily="34" charset="0"/>
+              <a:buChar char="•"/>
+              <a:tabLst/>
               <a:defRPr>
                 <a:latin typeface="Arial" panose="020B0604020202020204" pitchFamily="34" charset="0"/>
                 <a:cs typeface="Arial" panose="020B0604020202020204" pitchFamily="34" charset="0"/>
               </a:defRPr>
             </a:lvl2pPr>
-            <a:lvl3pPr>
+            <a:lvl3pPr marL="1143000" marR="0" indent="-228600" algn="l" defTabSz="914400" rtl="0" eaLnBrk="1" fontAlgn="auto" latinLnBrk="0" hangingPunct="1">
+              <a:lnSpc>
+                <a:spcPct val="90000"/>
+              </a:lnSpc>
+              <a:spcBef>
+                <a:spcPts val="500"/>
+              </a:spcBef>
+              <a:spcAft>
+                <a:spcPts val="0"/>
+              </a:spcAft>
+              <a:buClrTx/>
+              <a:buSzTx/>
+              <a:buFont typeface="Arial" panose="020B0604020202020204" pitchFamily="34" charset="0"/>
+              <a:buChar char="•"/>
+              <a:tabLst/>
               <a:defRPr>
                 <a:latin typeface="Arial" panose="020B0604020202020204" pitchFamily="34" charset="0"/>
                 <a:cs typeface="Arial" panose="020B0604020202020204" pitchFamily="34" charset="0"/>
               </a:defRPr>
             </a:lvl3pPr>
-            <a:lvl4pPr>
+            <a:lvl4pPr marL="1600200" marR="0" indent="-228600" algn="l" defTabSz="914400" rtl="0" eaLnBrk="1" fontAlgn="auto" latinLnBrk="0" hangingPunct="1">
+              <a:lnSpc>
+                <a:spcPct val="90000"/>
+              </a:lnSpc>
+              <a:spcBef>
+                <a:spcPts val="500"/>
+              </a:spcBef>
+              <a:spcAft>
+                <a:spcPts val="0"/>
+              </a:spcAft>
+              <a:buClrTx/>
+              <a:buSzTx/>
+              <a:buFont typeface="Arial" panose="020B0604020202020204" pitchFamily="34" charset="0"/>
+              <a:buChar char="•"/>
+              <a:tabLst/>
               <a:defRPr>
                 <a:latin typeface="Arial" panose="020B0604020202020204" pitchFamily="34" charset="0"/>
                 <a:cs typeface="Arial" panose="020B0604020202020204" pitchFamily="34" charset="0"/>
               </a:defRPr>
             </a:lvl4pPr>
-            <a:lvl5pPr>
+            <a:lvl5pPr marL="2057400" marR="0" indent="-228600" algn="l" defTabSz="914400" rtl="0" eaLnBrk="1" fontAlgn="auto" latinLnBrk="0" hangingPunct="1">
+              <a:lnSpc>
+                <a:spcPct val="90000"/>
+              </a:lnSpc>
+              <a:spcBef>
+                <a:spcPts val="500"/>
+              </a:spcBef>
+              <a:spcAft>
+                <a:spcPts val="0"/>
+              </a:spcAft>
+              <a:buClrTx/>
+              <a:buSzTx/>
+              <a:buFont typeface="Arial" panose="020B0604020202020204" pitchFamily="34" charset="0"/>
+              <a:buChar char="•"/>
+              <a:tabLst/>
               <a:defRPr>
                 <a:latin typeface="Arial" panose="020B0604020202020204" pitchFamily="34" charset="0"/>
                 <a:cs typeface="Arial" panose="020B0604020202020204" pitchFamily="34" charset="0"/>
@@ -3239,47 +3309,205 @@
             </a:lvl5pPr>
           </a:lstStyle>
           <a:p>
-            <a:pPr lvl="0"/>
-            <a:r>
-              <a:rPr lang="en-US" smtClean="0"/>
+            <a:pPr marL="0" marR="0" lvl="0" indent="0" algn="l" defTabSz="914400" rtl="0" eaLnBrk="1" fontAlgn="auto" latinLnBrk="0" hangingPunct="1">
+              <a:lnSpc>
+                <a:spcPct val="90000"/>
+              </a:lnSpc>
+              <a:spcBef>
+                <a:spcPts val="1000"/>
+              </a:spcBef>
+              <a:spcAft>
+                <a:spcPts val="0"/>
+              </a:spcAft>
+              <a:buClrTx/>
+              <a:buSzTx/>
+              <a:buFont typeface="Arial" panose="020B0604020202020204" pitchFamily="34" charset="0"/>
+              <a:buNone/>
+              <a:tabLst/>
+              <a:defRPr/>
+            </a:pPr>
+            <a:r>
+              <a:rPr kumimoji="0" lang="en-US" sz="2400" b="0" i="0" u="none" strike="noStrike" kern="1200" cap="none" spc="0" normalizeH="0" baseline="0" noProof="0" smtClean="0">
+                <a:ln>
+                  <a:noFill/>
+                </a:ln>
+                <a:solidFill>
+                  <a:prstClr val="black"/>
+                </a:solidFill>
+                <a:effectLst/>
+                <a:uLnTx/>
+                <a:uFillTx/>
+                <a:latin typeface="Arial" panose="020B0604020202020204" pitchFamily="34" charset="0"/>
+                <a:cs typeface="Arial" panose="020B0604020202020204" pitchFamily="34" charset="0"/>
+                <a:sym typeface="Roboto"/>
+              </a:rPr>
               <a:t>Edit Master text styles</a:t>
             </a:r>
           </a:p>
           <a:p>
-            <a:pPr lvl="1"/>
-            <a:r>
-              <a:rPr lang="en-US" smtClean="0"/>
+            <a:pPr marL="0" marR="0" lvl="1" indent="0" algn="l" defTabSz="914400" rtl="0" eaLnBrk="1" fontAlgn="auto" latinLnBrk="0" hangingPunct="1">
+              <a:lnSpc>
+                <a:spcPct val="90000"/>
+              </a:lnSpc>
+              <a:spcBef>
+                <a:spcPts val="1000"/>
+              </a:spcBef>
+              <a:spcAft>
+                <a:spcPts val="0"/>
+              </a:spcAft>
+              <a:buClrTx/>
+              <a:buSzTx/>
+              <a:buFont typeface="Arial" panose="020B0604020202020204" pitchFamily="34" charset="0"/>
+              <a:buNone/>
+              <a:tabLst/>
+              <a:defRPr/>
+            </a:pPr>
+            <a:r>
+              <a:rPr kumimoji="0" lang="en-US" sz="2400" b="0" i="0" u="none" strike="noStrike" kern="1200" cap="none" spc="0" normalizeH="0" baseline="0" noProof="0" smtClean="0">
+                <a:ln>
+                  <a:noFill/>
+                </a:ln>
+                <a:solidFill>
+                  <a:prstClr val="black"/>
+                </a:solidFill>
+                <a:effectLst/>
+                <a:uLnTx/>
+                <a:uFillTx/>
+                <a:latin typeface="Arial" panose="020B0604020202020204" pitchFamily="34" charset="0"/>
+                <a:cs typeface="Arial" panose="020B0604020202020204" pitchFamily="34" charset="0"/>
+                <a:sym typeface="Roboto"/>
+              </a:rPr>
               <a:t>Second level</a:t>
             </a:r>
           </a:p>
           <a:p>
-            <a:pPr lvl="2"/>
-            <a:r>
-              <a:rPr lang="en-US" smtClean="0"/>
+            <a:pPr marL="0" marR="0" lvl="2" indent="0" algn="l" defTabSz="914400" rtl="0" eaLnBrk="1" fontAlgn="auto" latinLnBrk="0" hangingPunct="1">
+              <a:lnSpc>
+                <a:spcPct val="90000"/>
+              </a:lnSpc>
+              <a:spcBef>
+                <a:spcPts val="1000"/>
+              </a:spcBef>
+              <a:spcAft>
+                <a:spcPts val="0"/>
+              </a:spcAft>
+              <a:buClrTx/>
+              <a:buSzTx/>
+              <a:buFont typeface="Arial" panose="020B0604020202020204" pitchFamily="34" charset="0"/>
+              <a:buNone/>
+              <a:tabLst/>
+              <a:defRPr/>
+            </a:pPr>
+            <a:r>
+              <a:rPr kumimoji="0" lang="en-US" sz="2400" b="0" i="0" u="none" strike="noStrike" kern="1200" cap="none" spc="0" normalizeH="0" baseline="0" noProof="0" smtClean="0">
+                <a:ln>
+                  <a:noFill/>
+                </a:ln>
+                <a:solidFill>
+                  <a:prstClr val="black"/>
+                </a:solidFill>
+                <a:effectLst/>
+                <a:uLnTx/>
+                <a:uFillTx/>
+                <a:latin typeface="Arial" panose="020B0604020202020204" pitchFamily="34" charset="0"/>
+                <a:cs typeface="Arial" panose="020B0604020202020204" pitchFamily="34" charset="0"/>
+                <a:sym typeface="Roboto"/>
+              </a:rPr>
               <a:t>Third level</a:t>
             </a:r>
           </a:p>
           <a:p>
-            <a:pPr lvl="3"/>
-            <a:r>
-              <a:rPr lang="en-US" smtClean="0"/>
+            <a:pPr marL="0" marR="0" lvl="3" indent="0" algn="l" defTabSz="914400" rtl="0" eaLnBrk="1" fontAlgn="auto" latinLnBrk="0" hangingPunct="1">
+              <a:lnSpc>
+                <a:spcPct val="90000"/>
+              </a:lnSpc>
+              <a:spcBef>
+                <a:spcPts val="1000"/>
+              </a:spcBef>
+              <a:spcAft>
+                <a:spcPts val="0"/>
+              </a:spcAft>
+              <a:buClrTx/>
+              <a:buSzTx/>
+              <a:buFont typeface="Arial" panose="020B0604020202020204" pitchFamily="34" charset="0"/>
+              <a:buNone/>
+              <a:tabLst/>
+              <a:defRPr/>
+            </a:pPr>
+            <a:r>
+              <a:rPr kumimoji="0" lang="en-US" sz="2400" b="0" i="0" u="none" strike="noStrike" kern="1200" cap="none" spc="0" normalizeH="0" baseline="0" noProof="0" smtClean="0">
+                <a:ln>
+                  <a:noFill/>
+                </a:ln>
+                <a:solidFill>
+                  <a:prstClr val="black"/>
+                </a:solidFill>
+                <a:effectLst/>
+                <a:uLnTx/>
+                <a:uFillTx/>
+                <a:latin typeface="Arial" panose="020B0604020202020204" pitchFamily="34" charset="0"/>
+                <a:cs typeface="Arial" panose="020B0604020202020204" pitchFamily="34" charset="0"/>
+                <a:sym typeface="Roboto"/>
+              </a:rPr>
               <a:t>Fourth level</a:t>
             </a:r>
           </a:p>
           <a:p>
-            <a:pPr lvl="4"/>
-            <a:r>
-              <a:rPr lang="en-US" smtClean="0"/>
+            <a:pPr marL="0" marR="0" lvl="4" indent="0" algn="l" defTabSz="914400" rtl="0" eaLnBrk="1" fontAlgn="auto" latinLnBrk="0" hangingPunct="1">
+              <a:lnSpc>
+                <a:spcPct val="90000"/>
+              </a:lnSpc>
+              <a:spcBef>
+                <a:spcPts val="1000"/>
+              </a:spcBef>
+              <a:spcAft>
+                <a:spcPts val="0"/>
+              </a:spcAft>
+              <a:buClrTx/>
+              <a:buSzTx/>
+              <a:buFont typeface="Arial" panose="020B0604020202020204" pitchFamily="34" charset="0"/>
+              <a:buNone/>
+              <a:tabLst/>
+              <a:defRPr/>
+            </a:pPr>
+            <a:r>
+              <a:rPr kumimoji="0" lang="en-US" sz="2400" b="0" i="0" u="none" strike="noStrike" kern="1200" cap="none" spc="0" normalizeH="0" baseline="0" noProof="0" smtClean="0">
+                <a:ln>
+                  <a:noFill/>
+                </a:ln>
+                <a:solidFill>
+                  <a:prstClr val="black"/>
+                </a:solidFill>
+                <a:effectLst/>
+                <a:uLnTx/>
+                <a:uFillTx/>
+                <a:latin typeface="Arial" panose="020B0604020202020204" pitchFamily="34" charset="0"/>
+                <a:cs typeface="Arial" panose="020B0604020202020204" pitchFamily="34" charset="0"/>
+                <a:sym typeface="Roboto"/>
+              </a:rPr>
               <a:t>Fifth level</a:t>
             </a:r>
-            <a:endParaRPr lang="en-US" dirty="0"/>
+            <a:endParaRPr kumimoji="0" lang="en-GB" sz="2000" b="0" i="0" u="none" strike="noStrike" kern="0" cap="none" spc="0" normalizeH="0" baseline="0" noProof="0" dirty="0">
+              <a:ln>
+                <a:noFill/>
+              </a:ln>
+              <a:solidFill>
+                <a:srgbClr val="000000"/>
+              </a:solidFill>
+              <a:effectLst/>
+              <a:uLnTx/>
+              <a:uFillTx/>
+              <a:latin typeface="Arial"/>
+              <a:cs typeface="Arial"/>
+              <a:sym typeface="Arial"/>
+            </a:endParaRPr>
           </a:p>
         </p:txBody>
       </p:sp>
     </p:spTree>
     <p:extLst>
       <p:ext uri="{BB962C8B-B14F-4D97-AF65-F5344CB8AC3E}">
-        <p14:creationId xmlns:p14="http://schemas.microsoft.com/office/powerpoint/2010/main" val="600372660"/>
+        <p14:creationId xmlns:p14="http://schemas.microsoft.com/office/powerpoint/2010/main" val="1456122652"/>
       </p:ext>
     </p:extLst>
   </p:cSld>
@@ -3728,19 +3956,19 @@
               </a:rPr>
               <a:t>Fifth level</a:t>
             </a:r>
-            <a:endParaRPr kumimoji="0" lang="en-GB" sz="1600" b="0" i="0" u="none" strike="noStrike" kern="1200" cap="none" spc="0" normalizeH="0" baseline="0" noProof="0" dirty="0">
+            <a:endParaRPr kumimoji="0" lang="en-GB" sz="2000" b="0" i="0" u="none" strike="noStrike" kern="0" cap="none" spc="0" normalizeH="0" baseline="0" noProof="0" dirty="0">
               <a:ln>
                 <a:noFill/>
               </a:ln>
               <a:solidFill>
-                <a:prstClr val="black"/>
+                <a:srgbClr val="000000"/>
               </a:solidFill>
               <a:effectLst/>
               <a:uLnTx/>
               <a:uFillTx/>
-              <a:latin typeface="Arial" panose="020B0604020202020204" pitchFamily="34" charset="0"/>
-              <a:cs typeface="Arial" panose="020B0604020202020204" pitchFamily="34" charset="0"/>
-              <a:sym typeface="Roboto"/>
+              <a:latin typeface="Arial"/>
+              <a:cs typeface="Arial"/>
+              <a:sym typeface="Arial"/>
             </a:endParaRPr>
           </a:p>
         </p:txBody>
@@ -3981,7 +4209,7 @@
     </p:spTree>
     <p:extLst>
       <p:ext uri="{BB962C8B-B14F-4D97-AF65-F5344CB8AC3E}">
-        <p14:creationId xmlns:p14="http://schemas.microsoft.com/office/powerpoint/2010/main" val="4186012988"/>
+        <p14:creationId xmlns:p14="http://schemas.microsoft.com/office/powerpoint/2010/main" val="3767747450"/>
       </p:ext>
     </p:extLst>
   </p:cSld>
@@ -4329,7 +4557,7 @@
     </p:spTree>
     <p:extLst>
       <p:ext uri="{BB962C8B-B14F-4D97-AF65-F5344CB8AC3E}">
-        <p14:creationId xmlns:p14="http://schemas.microsoft.com/office/powerpoint/2010/main" val="157291455"/>
+        <p14:creationId xmlns:p14="http://schemas.microsoft.com/office/powerpoint/2010/main" val="2423893217"/>
       </p:ext>
     </p:extLst>
   </p:cSld>
@@ -4478,7 +4706,7 @@
     </p:spTree>
     <p:extLst>
       <p:ext uri="{BB962C8B-B14F-4D97-AF65-F5344CB8AC3E}">
-        <p14:creationId xmlns:p14="http://schemas.microsoft.com/office/powerpoint/2010/main" val="1012695171"/>
+        <p14:creationId xmlns:p14="http://schemas.microsoft.com/office/powerpoint/2010/main" val="3146277909"/>
       </p:ext>
     </p:extLst>
   </p:cSld>
@@ -4756,7 +4984,7 @@
     </p:spTree>
     <p:extLst>
       <p:ext uri="{BB962C8B-B14F-4D97-AF65-F5344CB8AC3E}">
-        <p14:creationId xmlns:p14="http://schemas.microsoft.com/office/powerpoint/2010/main" val="2341034929"/>
+        <p14:creationId xmlns:p14="http://schemas.microsoft.com/office/powerpoint/2010/main" val="3075945159"/>
       </p:ext>
     </p:extLst>
   </p:cSld>
@@ -5189,7 +5417,7 @@
     </p:spTree>
     <p:extLst>
       <p:ext uri="{BB962C8B-B14F-4D97-AF65-F5344CB8AC3E}">
-        <p14:creationId xmlns:p14="http://schemas.microsoft.com/office/powerpoint/2010/main" val="3661250584"/>
+        <p14:creationId xmlns:p14="http://schemas.microsoft.com/office/powerpoint/2010/main" val="2836851374"/>
       </p:ext>
     </p:extLst>
   </p:cSld>
@@ -5725,7 +5953,7 @@
     </p:spTree>
     <p:extLst>
       <p:ext uri="{BB962C8B-B14F-4D97-AF65-F5344CB8AC3E}">
-        <p14:creationId xmlns:p14="http://schemas.microsoft.com/office/powerpoint/2010/main" val="3889113138"/>
+        <p14:creationId xmlns:p14="http://schemas.microsoft.com/office/powerpoint/2010/main" val="1766137485"/>
       </p:ext>
     </p:extLst>
   </p:cSld>
@@ -5836,7 +6064,7 @@
     </p:spTree>
     <p:extLst>
       <p:ext uri="{BB962C8B-B14F-4D97-AF65-F5344CB8AC3E}">
-        <p14:creationId xmlns:p14="http://schemas.microsoft.com/office/powerpoint/2010/main" val="586870532"/>
+        <p14:creationId xmlns:p14="http://schemas.microsoft.com/office/powerpoint/2010/main" val="3181497613"/>
       </p:ext>
     </p:extLst>
   </p:cSld>
@@ -6418,7 +6646,7 @@
     </p:spTree>
     <p:extLst>
       <p:ext uri="{BB962C8B-B14F-4D97-AF65-F5344CB8AC3E}">
-        <p14:creationId xmlns:p14="http://schemas.microsoft.com/office/powerpoint/2010/main" val="1153652144"/>
+        <p14:creationId xmlns:p14="http://schemas.microsoft.com/office/powerpoint/2010/main" val="180374951"/>
       </p:ext>
     </p:extLst>
   </p:cSld>
@@ -7176,23 +7404,23 @@
     </p:spTree>
     <p:extLst>
       <p:ext uri="{BB962C8B-B14F-4D97-AF65-F5344CB8AC3E}">
-        <p14:creationId xmlns:p14="http://schemas.microsoft.com/office/powerpoint/2010/main" val="2997981859"/>
+        <p14:creationId xmlns:p14="http://schemas.microsoft.com/office/powerpoint/2010/main" val="2203928349"/>
       </p:ext>
     </p:extLst>
   </p:cSld>
   <p:clrMap bg1="lt1" tx1="dk1" bg2="dk2" tx2="lt2" accent1="accent1" accent2="accent2" accent3="accent3" accent4="accent4" accent5="accent5" accent6="accent6" hlink="hlink" folHlink="folHlink"/>
   <p:sldLayoutIdLst>
-    <p:sldLayoutId id="2147483673" r:id="rId1"/>
-    <p:sldLayoutId id="2147483674" r:id="rId2"/>
-    <p:sldLayoutId id="2147483675" r:id="rId3"/>
-    <p:sldLayoutId id="2147483676" r:id="rId4"/>
-    <p:sldLayoutId id="2147483677" r:id="rId5"/>
-    <p:sldLayoutId id="2147483678" r:id="rId6"/>
-    <p:sldLayoutId id="2147483679" r:id="rId7"/>
-    <p:sldLayoutId id="2147483680" r:id="rId8"/>
-    <p:sldLayoutId id="2147483681" r:id="rId9"/>
-    <p:sldLayoutId id="2147483682" r:id="rId10"/>
-    <p:sldLayoutId id="2147483683" r:id="rId11"/>
+    <p:sldLayoutId id="2147483685" r:id="rId1"/>
+    <p:sldLayoutId id="2147483686" r:id="rId2"/>
+    <p:sldLayoutId id="2147483687" r:id="rId3"/>
+    <p:sldLayoutId id="2147483688" r:id="rId4"/>
+    <p:sldLayoutId id="2147483689" r:id="rId5"/>
+    <p:sldLayoutId id="2147483690" r:id="rId6"/>
+    <p:sldLayoutId id="2147483691" r:id="rId7"/>
+    <p:sldLayoutId id="2147483692" r:id="rId8"/>
+    <p:sldLayoutId id="2147483693" r:id="rId9"/>
+    <p:sldLayoutId id="2147483694" r:id="rId10"/>
+    <p:sldLayoutId id="2147483695" r:id="rId11"/>
   </p:sldLayoutIdLst>
   <mc:AlternateContent xmlns:mc="http://schemas.openxmlformats.org/markup-compatibility/2006" xmlns:p14="http://schemas.microsoft.com/office/powerpoint/2010/main">
     <mc:Choice Requires="p14">
@@ -9283,7 +9511,7 @@
   <a:extraClrSchemeLst/>
   <a:extLst>
     <a:ext uri="{05A4C25C-085E-4340-85A3-A5531E510DB2}">
-      <thm15:themeFamily xmlns:thm15="http://schemas.microsoft.com/office/thememl/2012/main" name="UTC OLP Theme" id="{757F8F19-47A8-4602-8F73-D5C216E00702}" vid="{2CCBC7F8-B9A8-4414-93FE-996F10744F9F}"/>
+      <thm15:themeFamily xmlns:thm15="http://schemas.microsoft.com/office/thememl/2012/main" name="UTC OLP Theme" id="{B1702924-84B6-4F93-BBB2-0FED37D95D86}" vid="{3E2C2973-362B-4D27-8888-202428007191}"/>
     </a:ext>
   </a:extLst>
 </a:theme>

--- a/final ppt/01-web-and-you.pptx
+++ b/final ppt/01-web-and-you.pptx
@@ -326,7 +326,7 @@
           <a:p>
             <a:fld id="{0F9C1CCF-B725-44A7-AA57-5E433BD85C9F}" type="datetimeFigureOut">
               <a:rPr lang="en-US" smtClean="0"/>
-              <a:t>8/30/2021</a:t>
+              <a:t>9/1/2021</a:t>
             </a:fld>
             <a:endParaRPr lang="en-US"/>
           </a:p>
@@ -8576,12 +8576,12 @@
           </a:p>
           <a:p>
             <a:r>
-              <a:rPr lang="en-GB" dirty="0" err="1"/>
-              <a:t>Favorite</a:t>
+              <a:rPr lang="en-GB" dirty="0" smtClean="0"/>
+              <a:t>Favourite </a:t>
             </a:r>
             <a:r>
               <a:rPr lang="en-GB" dirty="0"/>
-              <a:t> food</a:t>
+              <a:t>food</a:t>
             </a:r>
           </a:p>
           <a:p>
@@ -8841,10 +8841,48 @@
           <a:bodyPr/>
           <a:lstStyle/>
           <a:p>
+            <a:pPr marL="342900" indent="-342900">
+              <a:buFont typeface="Arial" panose="020B0604020202020204" pitchFamily="34" charset="0"/>
+              <a:buChar char="•"/>
+            </a:pPr>
+            <a:r>
+              <a:rPr lang="en-GB" dirty="0" smtClean="0"/>
+              <a:t>How</a:t>
+            </a:r>
             <a:r>
               <a:rPr lang="en-GB" dirty="0"/>
-              <a:t>What’s the most important/meaningful/memorable experience you’ve had online?</a:t>
-            </a:r>
+              <a:t> do you use the web? </a:t>
+            </a:r>
+          </a:p>
+          <a:p>
+            <a:pPr marL="342900" indent="-342900">
+              <a:buFont typeface="Arial" panose="020B0604020202020204" pitchFamily="34" charset="0"/>
+              <a:buChar char="•"/>
+            </a:pPr>
+            <a:r>
+              <a:rPr lang="en-GB" dirty="0" smtClean="0"/>
+              <a:t>What</a:t>
+            </a:r>
+            <a:r>
+              <a:rPr lang="en-GB" dirty="0"/>
+              <a:t> kinds of things do you like do online?</a:t>
+            </a:r>
+          </a:p>
+          <a:p>
+            <a:r>
+              <a:rPr lang="en-GB" dirty="0"/>
+              <a:t/>
+            </a:r>
+            <a:br>
+              <a:rPr lang="en-GB" dirty="0"/>
+            </a:br>
+            <a:r>
+              <a:rPr lang="en-GB" dirty="0"/>
+              <a:t>1 minutes to think, 3 minutes each to tell a story (Teacher to go first). </a:t>
+            </a:r>
+          </a:p>
+          <a:p>
+            <a:endParaRPr lang="en-GB" dirty="0"/>
           </a:p>
           <a:p>
             <a:endParaRPr lang="en-GB" dirty="0"/>

--- a/final ppt/01-web-and-you.pptx
+++ b/final ppt/01-web-and-you.pptx
@@ -326,7 +326,7 @@
           <a:p>
             <a:fld id="{0F9C1CCF-B725-44A7-AA57-5E433BD85C9F}" type="datetimeFigureOut">
               <a:rPr lang="en-US" smtClean="0"/>
-              <a:t>9/1/2021</a:t>
+              <a:t>9/2/2021</a:t>
             </a:fld>
             <a:endParaRPr lang="en-US"/>
           </a:p>
@@ -8963,13 +8963,48 @@
           <a:bodyPr/>
           <a:lstStyle/>
           <a:p>
-            <a:pPr marL="0" indent="0">
-              <a:buNone/>
-            </a:pPr>
-            <a:r>
-              <a:rPr dirty="0"/>
-              <a:t>On the post-it notes write key words you heard in the stories (one word per sticky note).</a:t>
-            </a:r>
+            <a:r>
+              <a:rPr lang="en-GB" dirty="0"/>
+              <a:t>Write the key words you heard in the stories on your white boards</a:t>
+            </a:r>
+            <a:r>
+              <a:rPr lang="en-GB" dirty="0" smtClean="0"/>
+              <a:t>.</a:t>
+            </a:r>
+            <a:r>
+              <a:rPr lang="en-GB" dirty="0"/>
+              <a:t/>
+            </a:r>
+            <a:br>
+              <a:rPr lang="en-GB" dirty="0"/>
+            </a:br>
+            <a:r>
+              <a:rPr lang="en-GB" dirty="0"/>
+              <a:t>We will ask each group to write each different word on a post-it and add it below.</a:t>
+            </a:r>
+          </a:p>
+          <a:p>
+            <a:r>
+              <a:rPr lang="en-GB" dirty="0"/>
+              <a:t/>
+            </a:r>
+            <a:br>
+              <a:rPr lang="en-GB" dirty="0"/>
+            </a:br>
+            <a:endParaRPr lang="en-GB" dirty="0"/>
+          </a:p>
+          <a:p>
+            <a:endParaRPr lang="en-GB" dirty="0"/>
+          </a:p>
+          <a:p>
+            <a:r>
+              <a:rPr lang="en-GB" dirty="0"/>
+              <a:t/>
+            </a:r>
+            <a:br>
+              <a:rPr lang="en-GB" dirty="0"/>
+            </a:br>
+            <a:endParaRPr lang="en-GB" dirty="0"/>
           </a:p>
         </p:txBody>
       </p:sp>
